--- a/2021.05 - [ C# Web Basics ]/05 - [ MVC Introduction ]/00 - [ Resource ]/Presentation.pptx
+++ b/2021.05 - [ C# Web Basics ]/05 - [ MVC Introduction ]/00 - [ Resource ]/Presentation.pptx
@@ -281,7 +281,7 @@
           <a:p>
             <a:fld id="{4E087215-0C8F-4762-A664-737A353EC9A4}" type="datetimeFigureOut">
               <a:rPr lang="bg-BG" smtClean="0"/>
-              <a:t>2.10.2020 г.</a:t>
+              <a:t>5.5.2021 г.</a:t>
             </a:fld>
             <a:endParaRPr lang="bg-BG"/>
           </a:p>
@@ -472,7 +472,7 @@
           <a:p>
             <a:fld id="{72D84649-876A-46C9-8472-14CB09C070D8}" type="datetimeFigureOut">
               <a:rPr lang="en-US" smtClean="0"/>
-              <a:t>10/2/2020</a:t>
+              <a:t>5/5/2021</a:t>
             </a:fld>
             <a:endParaRPr lang="en-US"/>
           </a:p>
@@ -2136,7 +2136,7 @@
           <p:nvPr userDrawn="1"/>
         </p:nvPicPr>
         <p:blipFill>
-          <a:blip r:embed="rId2">
+          <a:blip r:embed="rId2" cstate="hqprint">
             <a:clrChange>
               <a:clrFrom>
                 <a:srgbClr val="FFFFFF"/>
@@ -2342,7 +2342,7 @@
           <p:nvPr userDrawn="1"/>
         </p:nvPicPr>
         <p:blipFill>
-          <a:blip r:embed="rId5">
+          <a:blip r:embed="rId5" cstate="hqprint">
             <a:clrChange>
               <a:clrFrom>
                 <a:srgbClr val="FFFFFF"/>
@@ -3581,7 +3581,7 @@
           <p:nvPr userDrawn="1"/>
         </p:nvPicPr>
         <p:blipFill>
-          <a:blip r:embed="rId11">
+          <a:blip r:embed="rId11" cstate="hqprint">
             <a:clrChange>
               <a:clrFrom>
                 <a:srgbClr val="FFFFFF"/>
@@ -3807,7 +3807,7 @@
           <p:nvPr userDrawn="1"/>
         </p:nvPicPr>
         <p:blipFill>
-          <a:blip r:embed="rId7">
+          <a:blip r:embed="rId7" cstate="hqprint">
             <a:extLst>
               <a:ext uri="{28A0092B-C50C-407E-A947-70E740481C1C}">
                 <a14:useLocalDpi xmlns:a14="http://schemas.microsoft.com/office/drawing/2010/main" val="0"/>
@@ -4088,7 +4088,7 @@
           <p:nvPr userDrawn="1"/>
         </p:nvPicPr>
         <p:blipFill>
-          <a:blip r:embed="rId11">
+          <a:blip r:embed="rId11" cstate="hqprint">
             <a:extLst>
               <a:ext uri="{28A0092B-C50C-407E-A947-70E740481C1C}">
                 <a14:useLocalDpi xmlns:a14="http://schemas.microsoft.com/office/drawing/2010/main" val="0"/>
@@ -4608,7 +4608,7 @@
           <p:nvPr userDrawn="1"/>
         </p:nvPicPr>
         <p:blipFill>
-          <a:blip r:embed="rId2">
+          <a:blip r:embed="rId2" cstate="hqprint">
             <a:extLst>
               <a:ext uri="{28A0092B-C50C-407E-A947-70E740481C1C}">
                 <a14:useLocalDpi xmlns:a14="http://schemas.microsoft.com/office/drawing/2010/main" val="0"/>
@@ -4938,7 +4938,7 @@
           <p:nvPr userDrawn="1"/>
         </p:nvPicPr>
         <p:blipFill>
-          <a:blip r:embed="rId2">
+          <a:blip r:embed="rId2" cstate="hqprint">
             <a:clrChange>
               <a:clrFrom>
                 <a:srgbClr val="FFFFFF"/>
@@ -6360,7 +6360,7 @@
           <p:nvPr userDrawn="1"/>
         </p:nvPicPr>
         <p:blipFill>
-          <a:blip r:embed="rId2">
+          <a:blip r:embed="rId2" cstate="hqprint">
             <a:clrChange>
               <a:clrFrom>
                 <a:srgbClr val="FFFFFF"/>
@@ -9100,7 +9100,7 @@
           <p:nvPr userDrawn="1"/>
         </p:nvPicPr>
         <p:blipFill>
-          <a:blip r:embed="rId2">
+          <a:blip r:embed="rId2" cstate="hqprint">
             <a:extLst>
               <a:ext uri="{28A0092B-C50C-407E-A947-70E740481C1C}">
                 <a14:useLocalDpi xmlns:a14="http://schemas.microsoft.com/office/drawing/2010/main" val="0"/>
@@ -9691,7 +9691,7 @@
           <p:nvPr userDrawn="1"/>
         </p:nvPicPr>
         <p:blipFill>
-          <a:blip r:embed="rId3">
+          <a:blip r:embed="rId3" cstate="hqprint">
             <a:extLst>
               <a:ext uri="{28A0092B-C50C-407E-A947-70E740481C1C}">
                 <a14:useLocalDpi xmlns:a14="http://schemas.microsoft.com/office/drawing/2010/main" val="0"/>
@@ -10332,7 +10332,7 @@
           <p:nvPr userDrawn="1"/>
         </p:nvPicPr>
         <p:blipFill>
-          <a:blip r:embed="rId2">
+          <a:blip r:embed="rId2" cstate="hqprint">
             <a:extLst>
               <a:ext uri="{28A0092B-C50C-407E-A947-70E740481C1C}">
                 <a14:useLocalDpi xmlns:a14="http://schemas.microsoft.com/office/drawing/2010/main" val="0"/>
@@ -14884,14 +14884,18 @@
               </a:spcAft>
             </a:pPr>
             <a:r>
-              <a:rPr lang="en-US" sz="3000" dirty="0" err="1">
+              <a:rPr lang="en-US" sz="3000" noProof="1" smtClean="0">
                 <a:hlinkClick r:id="rId2"/>
               </a:rPr>
               <a:t>CakePHP</a:t>
             </a:r>
             <a:r>
+              <a:rPr lang="en-US" sz="3000" dirty="0" smtClean="0"/>
+              <a:t> </a:t>
+            </a:r>
+            <a:r>
               <a:rPr lang="en-US" sz="3000" dirty="0"/>
-              <a:t> (PHP)</a:t>
+              <a:t>(PHP)</a:t>
             </a:r>
           </a:p>
           <a:p>
@@ -17124,7 +17128,7 @@
         </p:spPr>
         <p:txBody>
           <a:bodyPr>
-            <a:normAutofit/>
+            <a:normAutofit lnSpcReduction="10000"/>
           </a:bodyPr>
           <a:lstStyle/>
           <a:p>
@@ -18361,6 +18365,10 @@
               </a:rPr>
               <a:t>sli.do</a:t>
             </a:r>
+            <a:r>
+              <a:rPr lang="en-US" sz="6000" b="1" dirty="0"/>
+              <a:t/>
+            </a:r>
             <a:br>
               <a:rPr lang="en-US" sz="6000" b="1" dirty="0"/>
             </a:br>
@@ -18495,7 +18503,7 @@
                 <a14:useLocalDpi xmlns:a14="http://schemas.microsoft.com/office/drawing/2010/main" val="0"/>
               </a:ext>
               <a:ext uri="{96DAC541-7B7A-43D3-8B79-37D633B846F1}">
-                <asvg:svgBlip xmlns:asvg="http://schemas.microsoft.com/office/drawing/2016/SVG/main" r:embed="rId3"/>
+                <asvg:svgBlip xmlns:asvg="http://schemas.microsoft.com/office/drawing/2016/SVG/main" xmlns="" r:embed="rId3"/>
               </a:ext>
             </a:extLst>
           </a:blip>
@@ -19868,6 +19876,10 @@
             <a:r>
               <a:rPr lang="en-US" sz="3000" dirty="0"/>
               <a:t> </a:t>
+            </a:r>
+            <a:r>
+              <a:rPr lang="bg-BG" sz="3000" dirty="0"/>
+              <a:t/>
             </a:r>
             <a:br>
               <a:rPr lang="bg-BG" sz="3000" dirty="0"/>
